--- a/요구사항확인평가_경효선.pptx
+++ b/요구사항확인평가_경효선.pptx
@@ -3330,7 +3330,7 @@
       </p:sp>
       <p:pic>
         <p:nvPicPr>
-          <p:cNvPr id="2" name="그림 1"/>
+          <p:cNvPr id="3" name="그림 2"/>
           <p:cNvPicPr>
             <a:picLocks noChangeAspect="1"/>
           </p:cNvPicPr>
@@ -3344,8 +3344,8 @@
         </p:blipFill>
         <p:spPr>
           <a:xfrm>
-            <a:off x="2862460" y="1610848"/>
-            <a:ext cx="6302590" cy="4857341"/>
+            <a:off x="2364554" y="1357053"/>
+            <a:ext cx="7298401" cy="5239878"/>
           </a:xfrm>
           <a:prstGeom prst="rect">
             <a:avLst/>
@@ -4083,11 +4083,7 @@
                       <a:pPr algn="l" latinLnBrk="1"/>
                       <a:r>
                         <a:rPr lang="en-US" altLang="ko-KR" sz="1200" dirty="0" smtClean="0"/>
-                        <a:t>5 </a:t>
-                      </a:r>
-                      <a:r>
-                        <a:rPr lang="en-US" altLang="ko-KR" sz="1200" dirty="0" smtClean="0"/>
-                        <a:t>– </a:t>
+                        <a:t>5 – </a:t>
                       </a:r>
                       <a:r>
                         <a:rPr lang="ko-KR" altLang="en-US" sz="1200" dirty="0" err="1" smtClean="0"/>
@@ -4107,11 +4103,7 @@
                       <a:pPr algn="l" latinLnBrk="1"/>
                       <a:r>
                         <a:rPr lang="en-US" altLang="ko-KR" sz="1200" baseline="0" dirty="0" smtClean="0"/>
-                        <a:t>7 </a:t>
-                      </a:r>
-                      <a:r>
-                        <a:rPr lang="en-US" altLang="ko-KR" sz="1200" baseline="0" dirty="0" smtClean="0"/>
-                        <a:t>– </a:t>
+                        <a:t>7 – </a:t>
                       </a:r>
                       <a:r>
                         <a:rPr lang="ko-KR" altLang="en-US" sz="1200" baseline="0" dirty="0" err="1" smtClean="0"/>
@@ -4188,17 +4180,12 @@
                         <a:rPr lang="en-US" altLang="ko-KR" sz="1200" dirty="0" smtClean="0"/>
                         <a:t>.</a:t>
                       </a:r>
-                      <a:endParaRPr lang="en-US" altLang="ko-KR" sz="1200" dirty="0" smtClean="0"/>
                     </a:p>
                     <a:p>
                       <a:pPr algn="l" latinLnBrk="1"/>
                       <a:r>
                         <a:rPr lang="en-US" altLang="ko-KR" sz="1200" dirty="0" smtClean="0"/>
-                        <a:t>6 </a:t>
-                      </a:r>
-                      <a:r>
-                        <a:rPr lang="en-US" altLang="ko-KR" sz="1200" dirty="0" smtClean="0"/>
-                        <a:t>– </a:t>
+                        <a:t>6 – </a:t>
                       </a:r>
                       <a:r>
                         <a:rPr lang="ko-KR" altLang="en-US" sz="1200" dirty="0" smtClean="0"/>
@@ -4208,7 +4195,6 @@
                         <a:rPr lang="en-US" altLang="ko-KR" sz="1200" dirty="0" smtClean="0"/>
                         <a:t>.</a:t>
                       </a:r>
-                      <a:endParaRPr lang="en-US" altLang="ko-KR" sz="1200" dirty="0" smtClean="0"/>
                     </a:p>
                     <a:p>
                       <a:pPr algn="l" latinLnBrk="1"/>
@@ -4229,11 +4215,7 @@
                       <a:pPr algn="l" latinLnBrk="1"/>
                       <a:r>
                         <a:rPr lang="en-US" altLang="ko-KR" sz="1200" dirty="0" smtClean="0"/>
-                        <a:t>10 </a:t>
-                      </a:r>
-                      <a:r>
-                        <a:rPr lang="en-US" altLang="ko-KR" sz="1200" dirty="0" smtClean="0"/>
-                        <a:t>– </a:t>
+                        <a:t>10 – </a:t>
                       </a:r>
                       <a:r>
                         <a:rPr lang="ko-KR" altLang="en-US" sz="1200" dirty="0" err="1" smtClean="0"/>
@@ -4313,11 +4295,7 @@
                       <a:pPr algn="l" latinLnBrk="1"/>
                       <a:r>
                         <a:rPr lang="en-US" altLang="ko-KR" sz="1200" dirty="0" smtClean="0"/>
-                        <a:t>1 </a:t>
-                      </a:r>
-                      <a:r>
-                        <a:rPr lang="en-US" altLang="ko-KR" sz="1200" dirty="0" smtClean="0"/>
-                        <a:t>– </a:t>
+                        <a:t>1 – </a:t>
                       </a:r>
                       <a:r>
                         <a:rPr lang="ko-KR" altLang="en-US" sz="1200" dirty="0" err="1" smtClean="0"/>
